--- a/Prezentare_Licenta_Tudose_Alin.pptx
+++ b/Prezentare_Licenta_Tudose_Alin.pptx
@@ -12,10 +12,15 @@
     <p:sldId id="269" r:id="rId6"/>
     <p:sldId id="261" r:id="rId7"/>
     <p:sldId id="260" r:id="rId8"/>
-    <p:sldId id="259" r:id="rId9"/>
-    <p:sldId id="264" r:id="rId10"/>
-    <p:sldId id="263" r:id="rId11"/>
-    <p:sldId id="265" r:id="rId12"/>
+    <p:sldId id="270" r:id="rId9"/>
+    <p:sldId id="271" r:id="rId10"/>
+    <p:sldId id="272" r:id="rId11"/>
+    <p:sldId id="273" r:id="rId12"/>
+    <p:sldId id="274" r:id="rId13"/>
+    <p:sldId id="259" r:id="rId14"/>
+    <p:sldId id="264" r:id="rId15"/>
+    <p:sldId id="263" r:id="rId16"/>
+    <p:sldId id="265" r:id="rId17"/>
   </p:sldIdLst>
   <p:sldSz cx="9144000" cy="6858000" type="screen4x3"/>
   <p:notesSz cx="6858000" cy="9144000"/>
@@ -278,7 +283,7 @@
           <a:p>
             <a:fld id="{DD5CEE04-040A-4E00-B740-BEBACC3B837A}" type="datetimeFigureOut">
               <a:rPr lang="en-US" smtClean="0"/>
-              <a:t>7/15/2021</a:t>
+              <a:t>7/16/2021</a:t>
             </a:fld>
             <a:endParaRPr lang="en-US" dirty="0"/>
           </a:p>
@@ -636,7 +641,7 @@
           <a:p>
             <a:fld id="{DD5CEE04-040A-4E00-B740-BEBACC3B837A}" type="datetimeFigureOut">
               <a:rPr lang="en-US" smtClean="0"/>
-              <a:t>7/15/2021</a:t>
+              <a:t>7/16/2021</a:t>
             </a:fld>
             <a:endParaRPr lang="en-US" dirty="0"/>
           </a:p>
@@ -810,7 +815,7 @@
           <a:p>
             <a:fld id="{DD5CEE04-040A-4E00-B740-BEBACC3B837A}" type="datetimeFigureOut">
               <a:rPr lang="en-US" smtClean="0"/>
-              <a:t>7/15/2021</a:t>
+              <a:t>7/16/2021</a:t>
             </a:fld>
             <a:endParaRPr lang="en-US" dirty="0"/>
           </a:p>
@@ -1325,7 +1330,7 @@
           <a:p>
             <a:fld id="{DD5CEE04-040A-4E00-B740-BEBACC3B837A}" type="datetimeFigureOut">
               <a:rPr lang="en-US" smtClean="0"/>
-              <a:t>7/15/2021</a:t>
+              <a:t>7/16/2021</a:t>
             </a:fld>
             <a:endParaRPr lang="en-US" dirty="0"/>
           </a:p>
@@ -1544,7 +1549,7 @@
           <a:p>
             <a:fld id="{DD5CEE04-040A-4E00-B740-BEBACC3B837A}" type="datetimeFigureOut">
               <a:rPr lang="en-US" smtClean="0"/>
-              <a:t>7/15/2021</a:t>
+              <a:t>7/16/2021</a:t>
             </a:fld>
             <a:endParaRPr lang="en-US" dirty="0"/>
           </a:p>
@@ -1895,7 +1900,7 @@
           <a:p>
             <a:fld id="{DD5CEE04-040A-4E00-B740-BEBACC3B837A}" type="datetimeFigureOut">
               <a:rPr lang="en-US" smtClean="0"/>
-              <a:t>7/15/2021</a:t>
+              <a:t>7/16/2021</a:t>
             </a:fld>
             <a:endParaRPr lang="en-US" dirty="0"/>
           </a:p>
@@ -2126,7 +2131,7 @@
           <a:p>
             <a:fld id="{DD5CEE04-040A-4E00-B740-BEBACC3B837A}" type="datetimeFigureOut">
               <a:rPr lang="en-US" smtClean="0"/>
-              <a:t>7/15/2021</a:t>
+              <a:t>7/16/2021</a:t>
             </a:fld>
             <a:endParaRPr lang="en-US" dirty="0"/>
           </a:p>
@@ -2266,7 +2271,7 @@
           <a:p>
             <a:fld id="{DD5CEE04-040A-4E00-B740-BEBACC3B837A}" type="datetimeFigureOut">
               <a:rPr lang="en-US" smtClean="0"/>
-              <a:t>7/15/2021</a:t>
+              <a:t>7/16/2021</a:t>
             </a:fld>
             <a:endParaRPr lang="en-US" dirty="0"/>
           </a:p>
@@ -2542,7 +2547,7 @@
           <a:p>
             <a:fld id="{DD5CEE04-040A-4E00-B740-BEBACC3B837A}" type="datetimeFigureOut">
               <a:rPr lang="en-US" smtClean="0"/>
-              <a:t>7/15/2021</a:t>
+              <a:t>7/16/2021</a:t>
             </a:fld>
             <a:endParaRPr lang="en-US" dirty="0"/>
           </a:p>
@@ -2947,7 +2952,7 @@
           <a:p>
             <a:fld id="{DD5CEE04-040A-4E00-B740-BEBACC3B837A}" type="datetimeFigureOut">
               <a:rPr lang="en-US" smtClean="0"/>
-              <a:t>7/15/2021</a:t>
+              <a:t>7/16/2021</a:t>
             </a:fld>
             <a:endParaRPr lang="en-US" dirty="0"/>
           </a:p>
@@ -3283,7 +3288,7 @@
           <a:p>
             <a:fld id="{DD5CEE04-040A-4E00-B740-BEBACC3B837A}" type="datetimeFigureOut">
               <a:rPr lang="en-US" smtClean="0"/>
-              <a:t>7/15/2021</a:t>
+              <a:t>7/16/2021</a:t>
             </a:fld>
             <a:endParaRPr lang="en-US" dirty="0"/>
           </a:p>
@@ -4176,7 +4181,7 @@
                 <a:latin typeface="Times New Roman" pitchFamily="18" charset="0"/>
                 <a:cs typeface="Times New Roman" pitchFamily="18" charset="0"/>
               </a:rPr>
-              <a:t>Concluzii</a:t>
+              <a:t>Descriere soluție (4)</a:t>
             </a:r>
             <a:endParaRPr lang="en-US" b="1" dirty="0">
               <a:solidFill>
@@ -4190,6 +4195,723 @@
       </p:sp>
       <p:sp>
         <p:nvSpPr>
+          <p:cNvPr id="6" name="TextBox 5"/>
+          <p:cNvSpPr txBox="1"/>
+          <p:nvPr/>
+        </p:nvSpPr>
+        <p:spPr>
+          <a:xfrm>
+            <a:off x="609600" y="6378129"/>
+            <a:ext cx="4724400" cy="523220"/>
+          </a:xfrm>
+          <a:prstGeom prst="rect">
+            <a:avLst/>
+          </a:prstGeom>
+          <a:noFill/>
+        </p:spPr>
+        <p:txBody>
+          <a:bodyPr wrap="square" rtlCol="0">
+            <a:spAutoFit/>
+          </a:bodyPr>
+          <a:lstStyle/>
+          <a:p>
+            <a:r>
+              <a:rPr lang="ro-RO" sz="1400" i="1" dirty="0">
+                <a:solidFill>
+                  <a:srgbClr val="0070C0"/>
+                </a:solidFill>
+              </a:rPr>
+              <a:t>Aplicație pentru extragerea și indexarea conținutului din documente scanate</a:t>
+            </a:r>
+          </a:p>
+        </p:txBody>
+      </p:sp>
+      <p:sp>
+        <p:nvSpPr>
+          <p:cNvPr id="7" name="TextBox 6"/>
+          <p:cNvSpPr txBox="1"/>
+          <p:nvPr/>
+        </p:nvSpPr>
+        <p:spPr>
+          <a:xfrm>
+            <a:off x="5486400" y="6378129"/>
+            <a:ext cx="3237515" cy="307777"/>
+          </a:xfrm>
+          <a:prstGeom prst="rect">
+            <a:avLst/>
+          </a:prstGeom>
+          <a:noFill/>
+        </p:spPr>
+        <p:txBody>
+          <a:bodyPr wrap="square" rtlCol="0">
+            <a:spAutoFit/>
+          </a:bodyPr>
+          <a:lstStyle/>
+          <a:p>
+            <a:r>
+              <a:rPr lang="ro-RO" sz="1400" i="1" dirty="0">
+                <a:solidFill>
+                  <a:srgbClr val="0070C0"/>
+                </a:solidFill>
+                <a:latin typeface="Times New Roman" pitchFamily="18" charset="0"/>
+                <a:cs typeface="Times New Roman" pitchFamily="18" charset="0"/>
+              </a:rPr>
+              <a:t>Sd. Plt. Alin-Romeo TUDOSE</a:t>
+            </a:r>
+          </a:p>
+        </p:txBody>
+      </p:sp>
+      <p:pic>
+        <p:nvPicPr>
+          <p:cNvPr id="4" name="Content Placeholder 3">
+            <a:extLst>
+              <a:ext uri="{FF2B5EF4-FFF2-40B4-BE49-F238E27FC236}">
+                <a16:creationId xmlns:a16="http://schemas.microsoft.com/office/drawing/2014/main" id="{8B8969EC-22ED-4695-B4AD-076743B7091E}"/>
+              </a:ext>
+            </a:extLst>
+          </p:cNvPr>
+          <p:cNvPicPr>
+            <a:picLocks noGrp="1" noChangeAspect="1"/>
+          </p:cNvPicPr>
+          <p:nvPr>
+            <p:ph sz="quarter" idx="1"/>
+          </p:nvPr>
+        </p:nvPicPr>
+        <p:blipFill>
+          <a:blip r:embed="rId2"/>
+          <a:stretch>
+            <a:fillRect/>
+          </a:stretch>
+        </p:blipFill>
+        <p:spPr>
+          <a:xfrm>
+            <a:off x="1028700" y="1391785"/>
+            <a:ext cx="7086600" cy="4737559"/>
+          </a:xfrm>
+        </p:spPr>
+      </p:pic>
+    </p:spTree>
+    <p:extLst>
+      <p:ext uri="{BB962C8B-B14F-4D97-AF65-F5344CB8AC3E}">
+        <p14:creationId xmlns:p14="http://schemas.microsoft.com/office/powerpoint/2010/main" val="92884167"/>
+      </p:ext>
+    </p:extLst>
+  </p:cSld>
+  <p:clrMapOvr>
+    <a:masterClrMapping/>
+  </p:clrMapOvr>
+</p:sld>
+</file>
+
+<file path=ppt/slides/slide11.xml><?xml version="1.0" encoding="utf-8"?>
+<p:sld xmlns:a="http://schemas.openxmlformats.org/drawingml/2006/main" xmlns:r="http://schemas.openxmlformats.org/officeDocument/2006/relationships" xmlns:p="http://schemas.openxmlformats.org/presentationml/2006/main">
+  <p:cSld>
+    <p:spTree>
+      <p:nvGrpSpPr>
+        <p:cNvPr id="1" name=""/>
+        <p:cNvGrpSpPr/>
+        <p:nvPr/>
+      </p:nvGrpSpPr>
+      <p:grpSpPr>
+        <a:xfrm>
+          <a:off x="0" y="0"/>
+          <a:ext cx="0" cy="0"/>
+          <a:chOff x="0" y="0"/>
+          <a:chExt cx="0" cy="0"/>
+        </a:xfrm>
+      </p:grpSpPr>
+      <p:sp>
+        <p:nvSpPr>
+          <p:cNvPr id="2" name="Title 1"/>
+          <p:cNvSpPr>
+            <a:spLocks noGrp="1"/>
+          </p:cNvSpPr>
+          <p:nvPr>
+            <p:ph type="title"/>
+          </p:nvPr>
+        </p:nvSpPr>
+        <p:spPr/>
+        <p:txBody>
+          <a:bodyPr/>
+          <a:lstStyle/>
+          <a:p>
+            <a:r>
+              <a:rPr lang="ro-RO" b="1" dirty="0">
+                <a:solidFill>
+                  <a:srgbClr val="0070C0"/>
+                </a:solidFill>
+                <a:latin typeface="Times New Roman" pitchFamily="18" charset="0"/>
+                <a:cs typeface="Times New Roman" pitchFamily="18" charset="0"/>
+              </a:rPr>
+              <a:t>Descriere soluție (5)</a:t>
+            </a:r>
+            <a:endParaRPr lang="en-US" b="1" dirty="0">
+              <a:solidFill>
+                <a:srgbClr val="0070C0"/>
+              </a:solidFill>
+              <a:latin typeface="Times New Roman" pitchFamily="18" charset="0"/>
+              <a:cs typeface="Times New Roman" pitchFamily="18" charset="0"/>
+            </a:endParaRPr>
+          </a:p>
+        </p:txBody>
+      </p:sp>
+      <p:sp>
+        <p:nvSpPr>
+          <p:cNvPr id="6" name="TextBox 5"/>
+          <p:cNvSpPr txBox="1"/>
+          <p:nvPr/>
+        </p:nvSpPr>
+        <p:spPr>
+          <a:xfrm>
+            <a:off x="609600" y="6378129"/>
+            <a:ext cx="4724400" cy="523220"/>
+          </a:xfrm>
+          <a:prstGeom prst="rect">
+            <a:avLst/>
+          </a:prstGeom>
+          <a:noFill/>
+        </p:spPr>
+        <p:txBody>
+          <a:bodyPr wrap="square" rtlCol="0">
+            <a:spAutoFit/>
+          </a:bodyPr>
+          <a:lstStyle/>
+          <a:p>
+            <a:r>
+              <a:rPr lang="ro-RO" sz="1400" i="1" dirty="0">
+                <a:solidFill>
+                  <a:srgbClr val="0070C0"/>
+                </a:solidFill>
+              </a:rPr>
+              <a:t>Aplicație pentru extragerea și indexarea conținutului din documente scanate</a:t>
+            </a:r>
+          </a:p>
+        </p:txBody>
+      </p:sp>
+      <p:sp>
+        <p:nvSpPr>
+          <p:cNvPr id="7" name="TextBox 6"/>
+          <p:cNvSpPr txBox="1"/>
+          <p:nvPr/>
+        </p:nvSpPr>
+        <p:spPr>
+          <a:xfrm>
+            <a:off x="5486400" y="6378129"/>
+            <a:ext cx="3237515" cy="307777"/>
+          </a:xfrm>
+          <a:prstGeom prst="rect">
+            <a:avLst/>
+          </a:prstGeom>
+          <a:noFill/>
+        </p:spPr>
+        <p:txBody>
+          <a:bodyPr wrap="square" rtlCol="0">
+            <a:spAutoFit/>
+          </a:bodyPr>
+          <a:lstStyle/>
+          <a:p>
+            <a:r>
+              <a:rPr lang="ro-RO" sz="1400" i="1" dirty="0">
+                <a:solidFill>
+                  <a:srgbClr val="0070C0"/>
+                </a:solidFill>
+                <a:latin typeface="Times New Roman" pitchFamily="18" charset="0"/>
+                <a:cs typeface="Times New Roman" pitchFamily="18" charset="0"/>
+              </a:rPr>
+              <a:t>Sd. Plt. Alin-Romeo TUDOSE</a:t>
+            </a:r>
+          </a:p>
+        </p:txBody>
+      </p:sp>
+      <p:sp>
+        <p:nvSpPr>
+          <p:cNvPr id="11" name="Content Placeholder 10">
+            <a:extLst>
+              <a:ext uri="{FF2B5EF4-FFF2-40B4-BE49-F238E27FC236}">
+                <a16:creationId xmlns:a16="http://schemas.microsoft.com/office/drawing/2014/main" id="{E9C5CFD2-7208-42A5-A394-30CEDCDF931C}"/>
+              </a:ext>
+            </a:extLst>
+          </p:cNvPr>
+          <p:cNvSpPr>
+            <a:spLocks noGrp="1"/>
+          </p:cNvSpPr>
+          <p:nvPr>
+            <p:ph sz="quarter" idx="1"/>
+          </p:nvPr>
+        </p:nvSpPr>
+        <p:spPr/>
+        <p:txBody>
+          <a:bodyPr/>
+          <a:lstStyle/>
+          <a:p>
+            <a:pPr lvl="1"/>
+            <a:r>
+              <a:rPr lang="ro-RO" dirty="0">
+                <a:latin typeface="Times New Roman" panose="02020603050405020304" pitchFamily="18" charset="0"/>
+                <a:cs typeface="Times New Roman" panose="02020603050405020304" pitchFamily="18" charset="0"/>
+              </a:rPr>
+              <a:t>Baza de date Elasticsearch</a:t>
+            </a:r>
+          </a:p>
+          <a:p>
+            <a:pPr lvl="1"/>
+            <a:endParaRPr lang="ro-RO" dirty="0">
+              <a:latin typeface="Times New Roman" panose="02020603050405020304" pitchFamily="18" charset="0"/>
+              <a:cs typeface="Times New Roman" panose="02020603050405020304" pitchFamily="18" charset="0"/>
+            </a:endParaRPr>
+          </a:p>
+          <a:p>
+            <a:pPr lvl="2"/>
+            <a:r>
+              <a:rPr lang="ro-RO" dirty="0">
+                <a:latin typeface="Times New Roman" panose="02020603050405020304" pitchFamily="18" charset="0"/>
+                <a:cs typeface="Times New Roman" panose="02020603050405020304" pitchFamily="18" charset="0"/>
+              </a:rPr>
+              <a:t>Bază de date nerelațională</a:t>
+            </a:r>
+          </a:p>
+          <a:p>
+            <a:pPr lvl="2"/>
+            <a:endParaRPr lang="ro-RO" dirty="0">
+              <a:latin typeface="Times New Roman" panose="02020603050405020304" pitchFamily="18" charset="0"/>
+              <a:cs typeface="Times New Roman" panose="02020603050405020304" pitchFamily="18" charset="0"/>
+            </a:endParaRPr>
+          </a:p>
+          <a:p>
+            <a:pPr lvl="2"/>
+            <a:r>
+              <a:rPr lang="ro-RO" dirty="0">
+                <a:latin typeface="Times New Roman" panose="02020603050405020304" pitchFamily="18" charset="0"/>
+                <a:cs typeface="Times New Roman" panose="02020603050405020304" pitchFamily="18" charset="0"/>
+              </a:rPr>
+              <a:t>Motor analitic de căutare</a:t>
+            </a:r>
+          </a:p>
+          <a:p>
+            <a:pPr lvl="2"/>
+            <a:endParaRPr lang="ro-RO" dirty="0">
+              <a:latin typeface="Times New Roman" panose="02020603050405020304" pitchFamily="18" charset="0"/>
+              <a:cs typeface="Times New Roman" panose="02020603050405020304" pitchFamily="18" charset="0"/>
+            </a:endParaRPr>
+          </a:p>
+          <a:p>
+            <a:pPr lvl="2"/>
+            <a:r>
+              <a:rPr lang="ro-RO" dirty="0">
+                <a:latin typeface="Times New Roman" panose="02020603050405020304" pitchFamily="18" charset="0"/>
+                <a:cs typeface="Times New Roman" panose="02020603050405020304" pitchFamily="18" charset="0"/>
+              </a:rPr>
+              <a:t>Informația este stocată sub formă de obiecte .json</a:t>
+            </a:r>
+          </a:p>
+          <a:p>
+            <a:pPr lvl="2"/>
+            <a:endParaRPr lang="ro-RO" dirty="0">
+              <a:latin typeface="Times New Roman" panose="02020603050405020304" pitchFamily="18" charset="0"/>
+              <a:cs typeface="Times New Roman" panose="02020603050405020304" pitchFamily="18" charset="0"/>
+            </a:endParaRPr>
+          </a:p>
+          <a:p>
+            <a:pPr lvl="2"/>
+            <a:r>
+              <a:rPr lang="ro-RO" dirty="0">
+                <a:latin typeface="Times New Roman" panose="02020603050405020304" pitchFamily="18" charset="0"/>
+                <a:cs typeface="Times New Roman" panose="02020603050405020304" pitchFamily="18" charset="0"/>
+              </a:rPr>
+              <a:t>Indecși de căutare</a:t>
+            </a:r>
+          </a:p>
+          <a:p>
+            <a:pPr lvl="2"/>
+            <a:endParaRPr lang="ro-RO" dirty="0">
+              <a:latin typeface="Times New Roman" panose="02020603050405020304" pitchFamily="18" charset="0"/>
+              <a:cs typeface="Times New Roman" panose="02020603050405020304" pitchFamily="18" charset="0"/>
+            </a:endParaRPr>
+          </a:p>
+          <a:p>
+            <a:pPr lvl="2"/>
+            <a:r>
+              <a:rPr lang="ro-RO" dirty="0">
+                <a:latin typeface="Times New Roman" panose="02020603050405020304" pitchFamily="18" charset="0"/>
+                <a:cs typeface="Times New Roman" panose="02020603050405020304" pitchFamily="18" charset="0"/>
+              </a:rPr>
+              <a:t>Structura bazei de date</a:t>
+            </a:r>
+            <a:endParaRPr lang="en-US" dirty="0">
+              <a:latin typeface="Times New Roman" panose="02020603050405020304" pitchFamily="18" charset="0"/>
+              <a:cs typeface="Times New Roman" panose="02020603050405020304" pitchFamily="18" charset="0"/>
+            </a:endParaRPr>
+          </a:p>
+        </p:txBody>
+      </p:sp>
+      <p:pic>
+        <p:nvPicPr>
+          <p:cNvPr id="1026" name="Picture 2" descr="ElasticSearch 5 - NEST Dynamic QueryContainer with QueryContainerDescriptor  - Francesco Pantisano">
+            <a:extLst>
+              <a:ext uri="{FF2B5EF4-FFF2-40B4-BE49-F238E27FC236}">
+                <a16:creationId xmlns:a16="http://schemas.microsoft.com/office/drawing/2014/main" id="{EF3BA6EB-08D4-4501-B1B5-8A56C784645F}"/>
+              </a:ext>
+            </a:extLst>
+          </p:cNvPr>
+          <p:cNvPicPr>
+            <a:picLocks noChangeAspect="1" noChangeArrowheads="1"/>
+          </p:cNvPicPr>
+          <p:nvPr/>
+        </p:nvPicPr>
+        <p:blipFill>
+          <a:blip r:embed="rId2" cstate="print">
+            <a:extLst>
+              <a:ext uri="{28A0092B-C50C-407E-A947-70E740481C1C}">
+                <a14:useLocalDpi xmlns:a14="http://schemas.microsoft.com/office/drawing/2010/main" val="0"/>
+              </a:ext>
+            </a:extLst>
+          </a:blip>
+          <a:srcRect/>
+          <a:stretch>
+            <a:fillRect/>
+          </a:stretch>
+        </p:blipFill>
+        <p:spPr bwMode="auto">
+          <a:xfrm>
+            <a:off x="3962400" y="647700"/>
+            <a:ext cx="5181600" cy="2398289"/>
+          </a:xfrm>
+          <a:prstGeom prst="rect">
+            <a:avLst/>
+          </a:prstGeom>
+          <a:noFill/>
+          <a:extLst>
+            <a:ext uri="{909E8E84-426E-40DD-AFC4-6F175D3DCCD1}">
+              <a14:hiddenFill xmlns:a14="http://schemas.microsoft.com/office/drawing/2010/main">
+                <a:solidFill>
+                  <a:srgbClr val="FFFFFF"/>
+                </a:solidFill>
+              </a14:hiddenFill>
+            </a:ext>
+          </a:extLst>
+        </p:spPr>
+      </p:pic>
+    </p:spTree>
+    <p:extLst>
+      <p:ext uri="{BB962C8B-B14F-4D97-AF65-F5344CB8AC3E}">
+        <p14:creationId xmlns:p14="http://schemas.microsoft.com/office/powerpoint/2010/main" val="3833611181"/>
+      </p:ext>
+    </p:extLst>
+  </p:cSld>
+  <p:clrMapOvr>
+    <a:masterClrMapping/>
+  </p:clrMapOvr>
+</p:sld>
+</file>
+
+<file path=ppt/slides/slide12.xml><?xml version="1.0" encoding="utf-8"?>
+<p:sld xmlns:a="http://schemas.openxmlformats.org/drawingml/2006/main" xmlns:r="http://schemas.openxmlformats.org/officeDocument/2006/relationships" xmlns:p="http://schemas.openxmlformats.org/presentationml/2006/main">
+  <p:cSld>
+    <p:spTree>
+      <p:nvGrpSpPr>
+        <p:cNvPr id="1" name=""/>
+        <p:cNvGrpSpPr/>
+        <p:nvPr/>
+      </p:nvGrpSpPr>
+      <p:grpSpPr>
+        <a:xfrm>
+          <a:off x="0" y="0"/>
+          <a:ext cx="0" cy="0"/>
+          <a:chOff x="0" y="0"/>
+          <a:chExt cx="0" cy="0"/>
+        </a:xfrm>
+      </p:grpSpPr>
+      <p:sp>
+        <p:nvSpPr>
+          <p:cNvPr id="2" name="Title 1"/>
+          <p:cNvSpPr>
+            <a:spLocks noGrp="1"/>
+          </p:cNvSpPr>
+          <p:nvPr>
+            <p:ph type="title"/>
+          </p:nvPr>
+        </p:nvSpPr>
+        <p:spPr/>
+        <p:txBody>
+          <a:bodyPr/>
+          <a:lstStyle/>
+          <a:p>
+            <a:r>
+              <a:rPr lang="ro-RO" b="1" dirty="0">
+                <a:solidFill>
+                  <a:srgbClr val="0070C0"/>
+                </a:solidFill>
+                <a:latin typeface="Times New Roman" pitchFamily="18" charset="0"/>
+                <a:cs typeface="Times New Roman" pitchFamily="18" charset="0"/>
+              </a:rPr>
+              <a:t>Descriere soluție (6)</a:t>
+            </a:r>
+            <a:endParaRPr lang="en-US" b="1" dirty="0">
+              <a:solidFill>
+                <a:srgbClr val="0070C0"/>
+              </a:solidFill>
+              <a:latin typeface="Times New Roman" pitchFamily="18" charset="0"/>
+              <a:cs typeface="Times New Roman" pitchFamily="18" charset="0"/>
+            </a:endParaRPr>
+          </a:p>
+        </p:txBody>
+      </p:sp>
+      <p:sp>
+        <p:nvSpPr>
+          <p:cNvPr id="6" name="TextBox 5"/>
+          <p:cNvSpPr txBox="1"/>
+          <p:nvPr/>
+        </p:nvSpPr>
+        <p:spPr>
+          <a:xfrm>
+            <a:off x="609600" y="6378129"/>
+            <a:ext cx="4724400" cy="523220"/>
+          </a:xfrm>
+          <a:prstGeom prst="rect">
+            <a:avLst/>
+          </a:prstGeom>
+          <a:noFill/>
+        </p:spPr>
+        <p:txBody>
+          <a:bodyPr wrap="square" rtlCol="0">
+            <a:spAutoFit/>
+          </a:bodyPr>
+          <a:lstStyle/>
+          <a:p>
+            <a:r>
+              <a:rPr lang="ro-RO" sz="1400" i="1" dirty="0">
+                <a:solidFill>
+                  <a:srgbClr val="0070C0"/>
+                </a:solidFill>
+              </a:rPr>
+              <a:t>Aplicație pentru extragerea și indexarea conținutului din documente scanate</a:t>
+            </a:r>
+          </a:p>
+        </p:txBody>
+      </p:sp>
+      <p:sp>
+        <p:nvSpPr>
+          <p:cNvPr id="7" name="TextBox 6"/>
+          <p:cNvSpPr txBox="1"/>
+          <p:nvPr/>
+        </p:nvSpPr>
+        <p:spPr>
+          <a:xfrm>
+            <a:off x="5486400" y="6378129"/>
+            <a:ext cx="3237515" cy="307777"/>
+          </a:xfrm>
+          <a:prstGeom prst="rect">
+            <a:avLst/>
+          </a:prstGeom>
+          <a:noFill/>
+        </p:spPr>
+        <p:txBody>
+          <a:bodyPr wrap="square" rtlCol="0">
+            <a:spAutoFit/>
+          </a:bodyPr>
+          <a:lstStyle/>
+          <a:p>
+            <a:r>
+              <a:rPr lang="ro-RO" sz="1400" i="1" dirty="0">
+                <a:solidFill>
+                  <a:srgbClr val="0070C0"/>
+                </a:solidFill>
+                <a:latin typeface="Times New Roman" pitchFamily="18" charset="0"/>
+                <a:cs typeface="Times New Roman" pitchFamily="18" charset="0"/>
+              </a:rPr>
+              <a:t>Sd. Plt. Alin-Romeo TUDOSE</a:t>
+            </a:r>
+          </a:p>
+        </p:txBody>
+      </p:sp>
+      <p:sp>
+        <p:nvSpPr>
+          <p:cNvPr id="11" name="Content Placeholder 10">
+            <a:extLst>
+              <a:ext uri="{FF2B5EF4-FFF2-40B4-BE49-F238E27FC236}">
+                <a16:creationId xmlns:a16="http://schemas.microsoft.com/office/drawing/2014/main" id="{E9C5CFD2-7208-42A5-A394-30CEDCDF931C}"/>
+              </a:ext>
+            </a:extLst>
+          </p:cNvPr>
+          <p:cNvSpPr>
+            <a:spLocks noGrp="1"/>
+          </p:cNvSpPr>
+          <p:nvPr>
+            <p:ph sz="quarter" idx="1"/>
+          </p:nvPr>
+        </p:nvSpPr>
+        <p:spPr/>
+        <p:txBody>
+          <a:bodyPr/>
+          <a:lstStyle/>
+          <a:p>
+            <a:pPr lvl="1"/>
+            <a:r>
+              <a:rPr lang="ro-RO" dirty="0">
+                <a:latin typeface="Times New Roman" panose="02020603050405020304" pitchFamily="18" charset="0"/>
+                <a:cs typeface="Times New Roman" panose="02020603050405020304" pitchFamily="18" charset="0"/>
+              </a:rPr>
+              <a:t>Aplicația Web</a:t>
+            </a:r>
+          </a:p>
+          <a:p>
+            <a:pPr lvl="1"/>
+            <a:endParaRPr lang="ro-RO" dirty="0">
+              <a:latin typeface="Times New Roman" panose="02020603050405020304" pitchFamily="18" charset="0"/>
+              <a:cs typeface="Times New Roman" panose="02020603050405020304" pitchFamily="18" charset="0"/>
+            </a:endParaRPr>
+          </a:p>
+          <a:p>
+            <a:pPr lvl="2"/>
+            <a:r>
+              <a:rPr lang="ro-RO" dirty="0">
+                <a:latin typeface="Times New Roman" panose="02020603050405020304" pitchFamily="18" charset="0"/>
+                <a:cs typeface="Times New Roman" panose="02020603050405020304" pitchFamily="18" charset="0"/>
+              </a:rPr>
+              <a:t>JavaScript + CSS + HTML</a:t>
+            </a:r>
+          </a:p>
+          <a:p>
+            <a:pPr lvl="2"/>
+            <a:endParaRPr lang="ro-RO" dirty="0">
+              <a:latin typeface="Times New Roman" panose="02020603050405020304" pitchFamily="18" charset="0"/>
+              <a:cs typeface="Times New Roman" panose="02020603050405020304" pitchFamily="18" charset="0"/>
+            </a:endParaRPr>
+          </a:p>
+          <a:p>
+            <a:pPr lvl="2"/>
+            <a:r>
+              <a:rPr lang="ro-RO" dirty="0">
+                <a:latin typeface="Times New Roman" panose="02020603050405020304" pitchFamily="18" charset="0"/>
+                <a:cs typeface="Times New Roman" panose="02020603050405020304" pitchFamily="18" charset="0"/>
+              </a:rPr>
+              <a:t>Framework-ul Bootstrap pentru interactivitate și design</a:t>
+            </a:r>
+          </a:p>
+          <a:p>
+            <a:pPr lvl="2"/>
+            <a:endParaRPr lang="ro-RO" dirty="0">
+              <a:latin typeface="Times New Roman" panose="02020603050405020304" pitchFamily="18" charset="0"/>
+              <a:cs typeface="Times New Roman" panose="02020603050405020304" pitchFamily="18" charset="0"/>
+            </a:endParaRPr>
+          </a:p>
+          <a:p>
+            <a:pPr lvl="2"/>
+            <a:r>
+              <a:rPr lang="ro-RO" dirty="0">
+                <a:latin typeface="Times New Roman" panose="02020603050405020304" pitchFamily="18" charset="0"/>
+                <a:cs typeface="Times New Roman" panose="02020603050405020304" pitchFamily="18" charset="0"/>
+              </a:rPr>
+              <a:t>Server web ce rulează PHP</a:t>
+            </a:r>
+          </a:p>
+          <a:p>
+            <a:pPr lvl="2"/>
+            <a:endParaRPr lang="ro-RO" dirty="0">
+              <a:latin typeface="Times New Roman" panose="02020603050405020304" pitchFamily="18" charset="0"/>
+              <a:cs typeface="Times New Roman" panose="02020603050405020304" pitchFamily="18" charset="0"/>
+            </a:endParaRPr>
+          </a:p>
+          <a:p>
+            <a:pPr lvl="2"/>
+            <a:r>
+              <a:rPr lang="ro-RO" dirty="0">
+                <a:latin typeface="Times New Roman" panose="02020603050405020304" pitchFamily="18" charset="0"/>
+                <a:cs typeface="Times New Roman" panose="02020603050405020304" pitchFamily="18" charset="0"/>
+              </a:rPr>
+              <a:t>Bază de date MySQL redusă, pentru gestiunea utilizatorilor</a:t>
+            </a:r>
+          </a:p>
+          <a:p>
+            <a:pPr lvl="2"/>
+            <a:endParaRPr lang="ro-RO" dirty="0">
+              <a:latin typeface="Times New Roman" panose="02020603050405020304" pitchFamily="18" charset="0"/>
+              <a:cs typeface="Times New Roman" panose="02020603050405020304" pitchFamily="18" charset="0"/>
+            </a:endParaRPr>
+          </a:p>
+          <a:p>
+            <a:pPr lvl="2"/>
+            <a:r>
+              <a:rPr lang="ro-RO" dirty="0">
+                <a:latin typeface="Times New Roman" panose="02020603050405020304" pitchFamily="18" charset="0"/>
+                <a:cs typeface="Times New Roman" panose="02020603050405020304" pitchFamily="18" charset="0"/>
+              </a:rPr>
+              <a:t>API pentru interacțiunea cu Elasticsearch, clasificator, și modulul de preprocesare</a:t>
+            </a:r>
+            <a:endParaRPr lang="en-US" dirty="0">
+              <a:latin typeface="Times New Roman" panose="02020603050405020304" pitchFamily="18" charset="0"/>
+              <a:cs typeface="Times New Roman" panose="02020603050405020304" pitchFamily="18" charset="0"/>
+            </a:endParaRPr>
+          </a:p>
+        </p:txBody>
+      </p:sp>
+    </p:spTree>
+    <p:extLst>
+      <p:ext uri="{BB962C8B-B14F-4D97-AF65-F5344CB8AC3E}">
+        <p14:creationId xmlns:p14="http://schemas.microsoft.com/office/powerpoint/2010/main" val="931705248"/>
+      </p:ext>
+    </p:extLst>
+  </p:cSld>
+  <p:clrMapOvr>
+    <a:masterClrMapping/>
+  </p:clrMapOvr>
+</p:sld>
+</file>
+
+<file path=ppt/slides/slide13.xml><?xml version="1.0" encoding="utf-8"?>
+<p:sld xmlns:a="http://schemas.openxmlformats.org/drawingml/2006/main" xmlns:r="http://schemas.openxmlformats.org/officeDocument/2006/relationships" xmlns:p="http://schemas.openxmlformats.org/presentationml/2006/main">
+  <p:cSld>
+    <p:spTree>
+      <p:nvGrpSpPr>
+        <p:cNvPr id="1" name=""/>
+        <p:cNvGrpSpPr/>
+        <p:nvPr/>
+      </p:nvGrpSpPr>
+      <p:grpSpPr>
+        <a:xfrm>
+          <a:off x="0" y="0"/>
+          <a:ext cx="0" cy="0"/>
+          <a:chOff x="0" y="0"/>
+          <a:chExt cx="0" cy="0"/>
+        </a:xfrm>
+      </p:grpSpPr>
+      <p:sp>
+        <p:nvSpPr>
+          <p:cNvPr id="2" name="Title 1"/>
+          <p:cNvSpPr>
+            <a:spLocks noGrp="1"/>
+          </p:cNvSpPr>
+          <p:nvPr>
+            <p:ph type="title"/>
+          </p:nvPr>
+        </p:nvSpPr>
+        <p:spPr/>
+        <p:txBody>
+          <a:bodyPr/>
+          <a:lstStyle/>
+          <a:p>
+            <a:r>
+              <a:rPr lang="ro-RO" b="1" dirty="0">
+                <a:solidFill>
+                  <a:srgbClr val="0070C0"/>
+                </a:solidFill>
+                <a:latin typeface="Times New Roman" pitchFamily="18" charset="0"/>
+                <a:cs typeface="Times New Roman" pitchFamily="18" charset="0"/>
+              </a:rPr>
+              <a:t>Tehnologii folosite</a:t>
+            </a:r>
+            <a:endParaRPr lang="en-US" b="1" dirty="0">
+              <a:solidFill>
+                <a:srgbClr val="0070C0"/>
+              </a:solidFill>
+              <a:latin typeface="Times New Roman" pitchFamily="18" charset="0"/>
+              <a:cs typeface="Times New Roman" pitchFamily="18" charset="0"/>
+            </a:endParaRPr>
+          </a:p>
+        </p:txBody>
+      </p:sp>
+      <p:sp>
+        <p:nvSpPr>
           <p:cNvPr id="3" name="Content Placeholder 2"/>
           <p:cNvSpPr>
             <a:spLocks noGrp="1"/>
@@ -4204,11 +4926,18 @@
           <a:lstStyle/>
           <a:p>
             <a:r>
+              <a:rPr lang="ro-RO" i="1" dirty="0">
+                <a:latin typeface="Times New Roman" pitchFamily="18" charset="0"/>
+                <a:cs typeface="Times New Roman" pitchFamily="18" charset="0"/>
+              </a:rPr>
+              <a:t>Keras</a:t>
+            </a:r>
+            <a:r>
               <a:rPr lang="ro-RO" dirty="0">
                 <a:latin typeface="Times New Roman" pitchFamily="18" charset="0"/>
                 <a:cs typeface="Times New Roman" pitchFamily="18" charset="0"/>
               </a:rPr>
-              <a:t>Concluziile proiectului</a:t>
+              <a:t>, The Python Deep Learning API</a:t>
             </a:r>
           </a:p>
           <a:p>
@@ -4217,7 +4946,7 @@
                 <a:latin typeface="Times New Roman" pitchFamily="18" charset="0"/>
                 <a:cs typeface="Times New Roman" pitchFamily="18" charset="0"/>
               </a:rPr>
-              <a:t>Dacă au fost publicate lucrări la conferințe/cercuri studențești</a:t>
+              <a:t>Tesseract, motorul de OCR dezvoltat de Google</a:t>
             </a:r>
           </a:p>
           <a:p>
@@ -4226,7 +4955,490 @@
                 <a:latin typeface="Times New Roman" pitchFamily="18" charset="0"/>
                 <a:cs typeface="Times New Roman" pitchFamily="18" charset="0"/>
               </a:rPr>
-              <a:t>1 slide</a:t>
+              <a:t>Elasticsearch</a:t>
+            </a:r>
+          </a:p>
+          <a:p>
+            <a:r>
+              <a:rPr lang="ro-RO" dirty="0">
+                <a:latin typeface="Times New Roman" pitchFamily="18" charset="0"/>
+                <a:cs typeface="Times New Roman" pitchFamily="18" charset="0"/>
+              </a:rPr>
+              <a:t>Bootstrap</a:t>
+            </a:r>
+          </a:p>
+          <a:p>
+            <a:r>
+              <a:rPr lang="ro-RO" dirty="0">
+                <a:latin typeface="Times New Roman" pitchFamily="18" charset="0"/>
+                <a:cs typeface="Times New Roman" pitchFamily="18" charset="0"/>
+              </a:rPr>
+              <a:t>Python</a:t>
+            </a:r>
+          </a:p>
+          <a:p>
+            <a:r>
+              <a:rPr lang="ro-RO" dirty="0">
+                <a:latin typeface="Times New Roman" pitchFamily="18" charset="0"/>
+                <a:cs typeface="Times New Roman" pitchFamily="18" charset="0"/>
+              </a:rPr>
+              <a:t>PHP</a:t>
+            </a:r>
+          </a:p>
+          <a:p>
+            <a:r>
+              <a:rPr lang="ro-RO" dirty="0">
+                <a:latin typeface="Times New Roman" pitchFamily="18" charset="0"/>
+                <a:cs typeface="Times New Roman" pitchFamily="18" charset="0"/>
+              </a:rPr>
+              <a:t>MySQL</a:t>
+            </a:r>
+          </a:p>
+          <a:p>
+            <a:r>
+              <a:rPr lang="ro-RO" dirty="0">
+                <a:latin typeface="Times New Roman" pitchFamily="18" charset="0"/>
+                <a:cs typeface="Times New Roman" pitchFamily="18" charset="0"/>
+              </a:rPr>
+              <a:t>JavaScript</a:t>
+            </a:r>
+          </a:p>
+          <a:p>
+            <a:r>
+              <a:rPr lang="ro-RO" dirty="0">
+                <a:latin typeface="Times New Roman" pitchFamily="18" charset="0"/>
+                <a:cs typeface="Times New Roman" pitchFamily="18" charset="0"/>
+              </a:rPr>
+              <a:t>CSS</a:t>
+            </a:r>
+          </a:p>
+          <a:p>
+            <a:r>
+              <a:rPr lang="ro-RO" dirty="0">
+                <a:latin typeface="Times New Roman" pitchFamily="18" charset="0"/>
+                <a:cs typeface="Times New Roman" pitchFamily="18" charset="0"/>
+              </a:rPr>
+              <a:t>HTML</a:t>
+            </a:r>
+            <a:endParaRPr lang="en-US" dirty="0">
+              <a:latin typeface="Times New Roman" pitchFamily="18" charset="0"/>
+              <a:cs typeface="Times New Roman" pitchFamily="18" charset="0"/>
+            </a:endParaRPr>
+          </a:p>
+        </p:txBody>
+      </p:sp>
+      <p:sp>
+        <p:nvSpPr>
+          <p:cNvPr id="6" name="TextBox 5"/>
+          <p:cNvSpPr txBox="1"/>
+          <p:nvPr/>
+        </p:nvSpPr>
+        <p:spPr>
+          <a:xfrm>
+            <a:off x="609600" y="6378129"/>
+            <a:ext cx="4724400" cy="523220"/>
+          </a:xfrm>
+          <a:prstGeom prst="rect">
+            <a:avLst/>
+          </a:prstGeom>
+          <a:noFill/>
+        </p:spPr>
+        <p:txBody>
+          <a:bodyPr wrap="square" rtlCol="0">
+            <a:spAutoFit/>
+          </a:bodyPr>
+          <a:lstStyle/>
+          <a:p>
+            <a:r>
+              <a:rPr lang="ro-RO" sz="1400" i="1" dirty="0">
+                <a:solidFill>
+                  <a:srgbClr val="0070C0"/>
+                </a:solidFill>
+              </a:rPr>
+              <a:t>Aplicație pentru extragerea și indexarea conținutului din documente scanate</a:t>
+            </a:r>
+          </a:p>
+        </p:txBody>
+      </p:sp>
+      <p:sp>
+        <p:nvSpPr>
+          <p:cNvPr id="7" name="TextBox 6"/>
+          <p:cNvSpPr txBox="1"/>
+          <p:nvPr/>
+        </p:nvSpPr>
+        <p:spPr>
+          <a:xfrm>
+            <a:off x="5486400" y="6378129"/>
+            <a:ext cx="3237515" cy="307777"/>
+          </a:xfrm>
+          <a:prstGeom prst="rect">
+            <a:avLst/>
+          </a:prstGeom>
+          <a:noFill/>
+        </p:spPr>
+        <p:txBody>
+          <a:bodyPr wrap="square" rtlCol="0">
+            <a:spAutoFit/>
+          </a:bodyPr>
+          <a:lstStyle/>
+          <a:p>
+            <a:r>
+              <a:rPr lang="ro-RO" sz="1400" i="1" dirty="0">
+                <a:solidFill>
+                  <a:srgbClr val="0070C0"/>
+                </a:solidFill>
+                <a:latin typeface="Times New Roman" pitchFamily="18" charset="0"/>
+                <a:cs typeface="Times New Roman" pitchFamily="18" charset="0"/>
+              </a:rPr>
+              <a:t>Sd. Plt. Alin-Romeo TUDOSE</a:t>
+            </a:r>
+          </a:p>
+        </p:txBody>
+      </p:sp>
+    </p:spTree>
+    <p:extLst>
+      <p:ext uri="{BB962C8B-B14F-4D97-AF65-F5344CB8AC3E}">
+        <p14:creationId xmlns:p14="http://schemas.microsoft.com/office/powerpoint/2010/main" val="3439825583"/>
+      </p:ext>
+    </p:extLst>
+  </p:cSld>
+  <p:clrMapOvr>
+    <a:masterClrMapping/>
+  </p:clrMapOvr>
+</p:sld>
+</file>
+
+<file path=ppt/slides/slide14.xml><?xml version="1.0" encoding="utf-8"?>
+<p:sld xmlns:a="http://schemas.openxmlformats.org/drawingml/2006/main" xmlns:r="http://schemas.openxmlformats.org/officeDocument/2006/relationships" xmlns:p="http://schemas.openxmlformats.org/presentationml/2006/main">
+  <p:cSld>
+    <p:spTree>
+      <p:nvGrpSpPr>
+        <p:cNvPr id="1" name=""/>
+        <p:cNvGrpSpPr/>
+        <p:nvPr/>
+      </p:nvGrpSpPr>
+      <p:grpSpPr>
+        <a:xfrm>
+          <a:off x="0" y="0"/>
+          <a:ext cx="0" cy="0"/>
+          <a:chOff x="0" y="0"/>
+          <a:chExt cx="0" cy="0"/>
+        </a:xfrm>
+      </p:grpSpPr>
+      <p:sp>
+        <p:nvSpPr>
+          <p:cNvPr id="2" name="Title 1"/>
+          <p:cNvSpPr>
+            <a:spLocks noGrp="1"/>
+          </p:cNvSpPr>
+          <p:nvPr>
+            <p:ph type="title"/>
+          </p:nvPr>
+        </p:nvSpPr>
+        <p:spPr/>
+        <p:txBody>
+          <a:bodyPr/>
+          <a:lstStyle/>
+          <a:p>
+            <a:r>
+              <a:rPr lang="ro-RO" b="1" dirty="0">
+                <a:solidFill>
+                  <a:srgbClr val="0070C0"/>
+                </a:solidFill>
+                <a:latin typeface="Times New Roman" pitchFamily="18" charset="0"/>
+                <a:cs typeface="Times New Roman" pitchFamily="18" charset="0"/>
+              </a:rPr>
+              <a:t>Rezultate testare</a:t>
+            </a:r>
+            <a:endParaRPr lang="en-US" b="1" dirty="0">
+              <a:solidFill>
+                <a:srgbClr val="0070C0"/>
+              </a:solidFill>
+              <a:latin typeface="Times New Roman" pitchFamily="18" charset="0"/>
+              <a:cs typeface="Times New Roman" pitchFamily="18" charset="0"/>
+            </a:endParaRPr>
+          </a:p>
+        </p:txBody>
+      </p:sp>
+      <p:sp>
+        <p:nvSpPr>
+          <p:cNvPr id="3" name="Content Placeholder 2"/>
+          <p:cNvSpPr>
+            <a:spLocks noGrp="1"/>
+          </p:cNvSpPr>
+          <p:nvPr>
+            <p:ph sz="quarter" idx="1"/>
+          </p:nvPr>
+        </p:nvSpPr>
+        <p:spPr/>
+        <p:txBody>
+          <a:bodyPr/>
+          <a:lstStyle/>
+          <a:p>
+            <a:r>
+              <a:rPr lang="ro-RO" dirty="0">
+                <a:latin typeface="Times New Roman" pitchFamily="18" charset="0"/>
+                <a:cs typeface="Times New Roman" pitchFamily="18" charset="0"/>
+              </a:rPr>
+              <a:t>Metode de testare folosite:</a:t>
+            </a:r>
+          </a:p>
+          <a:p>
+            <a:pPr lvl="1"/>
+            <a:r>
+              <a:rPr lang="ro-RO" dirty="0">
+                <a:latin typeface="Times New Roman" pitchFamily="18" charset="0"/>
+                <a:cs typeface="Times New Roman" pitchFamily="18" charset="0"/>
+              </a:rPr>
+              <a:t>Testare unitară</a:t>
+            </a:r>
+          </a:p>
+          <a:p>
+            <a:pPr lvl="1"/>
+            <a:r>
+              <a:rPr lang="ro-RO" dirty="0">
+                <a:latin typeface="Times New Roman" pitchFamily="18" charset="0"/>
+                <a:cs typeface="Times New Roman" pitchFamily="18" charset="0"/>
+              </a:rPr>
+              <a:t>Testare de integrare</a:t>
+            </a:r>
+          </a:p>
+          <a:p>
+            <a:pPr lvl="1"/>
+            <a:r>
+              <a:rPr lang="ro-RO" dirty="0">
+                <a:latin typeface="Times New Roman" pitchFamily="18" charset="0"/>
+                <a:cs typeface="Times New Roman" pitchFamily="18" charset="0"/>
+              </a:rPr>
+              <a:t>Testare de acceptanță</a:t>
+            </a:r>
+          </a:p>
+          <a:p>
+            <a:pPr lvl="1"/>
+            <a:endParaRPr lang="ro-RO" dirty="0">
+              <a:latin typeface="Times New Roman" pitchFamily="18" charset="0"/>
+              <a:cs typeface="Times New Roman" pitchFamily="18" charset="0"/>
+            </a:endParaRPr>
+          </a:p>
+          <a:p>
+            <a:r>
+              <a:rPr lang="ro-RO" dirty="0">
+                <a:latin typeface="Times New Roman" pitchFamily="18" charset="0"/>
+                <a:cs typeface="Times New Roman" pitchFamily="18" charset="0"/>
+              </a:rPr>
+              <a:t>Performanțe generale mulțumitoare</a:t>
+            </a:r>
+          </a:p>
+          <a:p>
+            <a:r>
+              <a:rPr lang="ro-RO" dirty="0">
+                <a:latin typeface="Times New Roman" pitchFamily="18" charset="0"/>
+                <a:cs typeface="Times New Roman" pitchFamily="18" charset="0"/>
+              </a:rPr>
+              <a:t>Acuratețe de 90%</a:t>
+            </a:r>
+          </a:p>
+          <a:p>
+            <a:r>
+              <a:rPr lang="ro-RO" dirty="0">
+                <a:latin typeface="Times New Roman" pitchFamily="18" charset="0"/>
+                <a:cs typeface="Times New Roman" pitchFamily="18" charset="0"/>
+              </a:rPr>
+              <a:t>Timp de răspuns redus</a:t>
+            </a:r>
+          </a:p>
+          <a:p>
+            <a:endParaRPr lang="en-US" dirty="0">
+              <a:latin typeface="Times New Roman" pitchFamily="18" charset="0"/>
+              <a:cs typeface="Times New Roman" pitchFamily="18" charset="0"/>
+            </a:endParaRPr>
+          </a:p>
+        </p:txBody>
+      </p:sp>
+      <p:sp>
+        <p:nvSpPr>
+          <p:cNvPr id="6" name="TextBox 5"/>
+          <p:cNvSpPr txBox="1"/>
+          <p:nvPr/>
+        </p:nvSpPr>
+        <p:spPr>
+          <a:xfrm>
+            <a:off x="609600" y="6378129"/>
+            <a:ext cx="4724400" cy="523220"/>
+          </a:xfrm>
+          <a:prstGeom prst="rect">
+            <a:avLst/>
+          </a:prstGeom>
+          <a:noFill/>
+        </p:spPr>
+        <p:txBody>
+          <a:bodyPr wrap="square" rtlCol="0">
+            <a:spAutoFit/>
+          </a:bodyPr>
+          <a:lstStyle/>
+          <a:p>
+            <a:r>
+              <a:rPr lang="ro-RO" sz="1400" i="1" dirty="0">
+                <a:solidFill>
+                  <a:srgbClr val="0070C0"/>
+                </a:solidFill>
+              </a:rPr>
+              <a:t>Aplicație pentru extragerea și indexarea conținutului din documente scanate</a:t>
+            </a:r>
+          </a:p>
+        </p:txBody>
+      </p:sp>
+      <p:sp>
+        <p:nvSpPr>
+          <p:cNvPr id="7" name="TextBox 6"/>
+          <p:cNvSpPr txBox="1"/>
+          <p:nvPr/>
+        </p:nvSpPr>
+        <p:spPr>
+          <a:xfrm>
+            <a:off x="5486400" y="6378129"/>
+            <a:ext cx="3237515" cy="307777"/>
+          </a:xfrm>
+          <a:prstGeom prst="rect">
+            <a:avLst/>
+          </a:prstGeom>
+          <a:noFill/>
+        </p:spPr>
+        <p:txBody>
+          <a:bodyPr wrap="square" rtlCol="0">
+            <a:spAutoFit/>
+          </a:bodyPr>
+          <a:lstStyle/>
+          <a:p>
+            <a:r>
+              <a:rPr lang="ro-RO" sz="1400" i="1" dirty="0">
+                <a:solidFill>
+                  <a:srgbClr val="0070C0"/>
+                </a:solidFill>
+                <a:latin typeface="Times New Roman" pitchFamily="18" charset="0"/>
+                <a:cs typeface="Times New Roman" pitchFamily="18" charset="0"/>
+              </a:rPr>
+              <a:t>Sd. Plt. Alin-Romeo TUDOSE</a:t>
+            </a:r>
+          </a:p>
+        </p:txBody>
+      </p:sp>
+    </p:spTree>
+    <p:extLst>
+      <p:ext uri="{BB962C8B-B14F-4D97-AF65-F5344CB8AC3E}">
+        <p14:creationId xmlns:p14="http://schemas.microsoft.com/office/powerpoint/2010/main" val="1329492536"/>
+      </p:ext>
+    </p:extLst>
+  </p:cSld>
+  <p:clrMapOvr>
+    <a:masterClrMapping/>
+  </p:clrMapOvr>
+</p:sld>
+</file>
+
+<file path=ppt/slides/slide15.xml><?xml version="1.0" encoding="utf-8"?>
+<p:sld xmlns:a="http://schemas.openxmlformats.org/drawingml/2006/main" xmlns:r="http://schemas.openxmlformats.org/officeDocument/2006/relationships" xmlns:p="http://schemas.openxmlformats.org/presentationml/2006/main">
+  <p:cSld>
+    <p:spTree>
+      <p:nvGrpSpPr>
+        <p:cNvPr id="1" name=""/>
+        <p:cNvGrpSpPr/>
+        <p:nvPr/>
+      </p:nvGrpSpPr>
+      <p:grpSpPr>
+        <a:xfrm>
+          <a:off x="0" y="0"/>
+          <a:ext cx="0" cy="0"/>
+          <a:chOff x="0" y="0"/>
+          <a:chExt cx="0" cy="0"/>
+        </a:xfrm>
+      </p:grpSpPr>
+      <p:sp>
+        <p:nvSpPr>
+          <p:cNvPr id="2" name="Title 1"/>
+          <p:cNvSpPr>
+            <a:spLocks noGrp="1"/>
+          </p:cNvSpPr>
+          <p:nvPr>
+            <p:ph type="title"/>
+          </p:nvPr>
+        </p:nvSpPr>
+        <p:spPr/>
+        <p:txBody>
+          <a:bodyPr/>
+          <a:lstStyle/>
+          <a:p>
+            <a:r>
+              <a:rPr lang="ro-RO" b="1" dirty="0">
+                <a:solidFill>
+                  <a:srgbClr val="0070C0"/>
+                </a:solidFill>
+                <a:latin typeface="Times New Roman" pitchFamily="18" charset="0"/>
+                <a:cs typeface="Times New Roman" pitchFamily="18" charset="0"/>
+              </a:rPr>
+              <a:t>Concluzii</a:t>
+            </a:r>
+            <a:endParaRPr lang="en-US" b="1" dirty="0">
+              <a:solidFill>
+                <a:srgbClr val="0070C0"/>
+              </a:solidFill>
+              <a:latin typeface="Times New Roman" pitchFamily="18" charset="0"/>
+              <a:cs typeface="Times New Roman" pitchFamily="18" charset="0"/>
+            </a:endParaRPr>
+          </a:p>
+        </p:txBody>
+      </p:sp>
+      <p:sp>
+        <p:nvSpPr>
+          <p:cNvPr id="3" name="Content Placeholder 2"/>
+          <p:cNvSpPr>
+            <a:spLocks noGrp="1"/>
+          </p:cNvSpPr>
+          <p:nvPr>
+            <p:ph sz="quarter" idx="1"/>
+          </p:nvPr>
+        </p:nvSpPr>
+        <p:spPr/>
+        <p:txBody>
+          <a:bodyPr/>
+          <a:lstStyle/>
+          <a:p>
+            <a:r>
+              <a:rPr lang="ro-RO" dirty="0">
+                <a:latin typeface="Times New Roman" pitchFamily="18" charset="0"/>
+                <a:cs typeface="Times New Roman" pitchFamily="18" charset="0"/>
+              </a:rPr>
+              <a:t>Aplicația realizată simplifică semnificativ procesul de digitalizare al documentelor fizice ce conțin scris de mână</a:t>
+            </a:r>
+          </a:p>
+          <a:p>
+            <a:endParaRPr lang="ro-RO" dirty="0">
+              <a:latin typeface="Times New Roman" pitchFamily="18" charset="0"/>
+              <a:cs typeface="Times New Roman" pitchFamily="18" charset="0"/>
+            </a:endParaRPr>
+          </a:p>
+          <a:p>
+            <a:r>
+              <a:rPr lang="ro-RO" dirty="0">
+                <a:latin typeface="Times New Roman" pitchFamily="18" charset="0"/>
+                <a:cs typeface="Times New Roman" pitchFamily="18" charset="0"/>
+              </a:rPr>
+              <a:t>O potențială metodă ușoară, eficientă și prietenoasă cu utilizatorii pentru gestiunea documentelor în viitor</a:t>
+            </a:r>
+          </a:p>
+          <a:p>
+            <a:endParaRPr lang="ro-RO" dirty="0">
+              <a:latin typeface="Times New Roman" pitchFamily="18" charset="0"/>
+              <a:cs typeface="Times New Roman" pitchFamily="18" charset="0"/>
+            </a:endParaRPr>
+          </a:p>
+          <a:p>
+            <a:r>
+              <a:rPr lang="ro-RO" dirty="0">
+                <a:latin typeface="Times New Roman" pitchFamily="18" charset="0"/>
+                <a:cs typeface="Times New Roman" pitchFamily="18" charset="0"/>
+              </a:rPr>
+              <a:t>Studiu de caz privind reducerea costurilor unei companii dacă se alege folosirea aplicației prezentate</a:t>
             </a:r>
           </a:p>
         </p:txBody>
@@ -4312,7 +5524,7 @@
 </p:sld>
 </file>
 
-<file path=ppt/slides/slide11.xml><?xml version="1.0" encoding="utf-8"?>
+<file path=ppt/slides/slide16.xml><?xml version="1.0" encoding="utf-8"?>
 <p:sld xmlns:a="http://schemas.openxmlformats.org/drawingml/2006/main" xmlns:r="http://schemas.openxmlformats.org/officeDocument/2006/relationships" xmlns:p="http://schemas.openxmlformats.org/presentationml/2006/main">
   <p:cSld>
     <p:spTree>
@@ -5799,21 +7011,48 @@
                 <a:latin typeface="Times New Roman" pitchFamily="18" charset="0"/>
                 <a:cs typeface="Times New Roman" pitchFamily="18" charset="0"/>
               </a:rPr>
-              <a:t>Prezentarea arhitecturii soluției și a modului de implementare </a:t>
-            </a:r>
-          </a:p>
-          <a:p>
+              <a:t>Arhitectura aplicației:</a:t>
+            </a:r>
+          </a:p>
+          <a:p>
+            <a:pPr lvl="1"/>
             <a:r>
               <a:rPr lang="ro-RO" dirty="0">
                 <a:latin typeface="Times New Roman" pitchFamily="18" charset="0"/>
                 <a:cs typeface="Times New Roman" pitchFamily="18" charset="0"/>
               </a:rPr>
-              <a:t>Maxim 3 slide-uri</a:t>
-            </a:r>
-            <a:endParaRPr lang="en-US" dirty="0">
-              <a:latin typeface="Times New Roman" pitchFamily="18" charset="0"/>
-              <a:cs typeface="Times New Roman" pitchFamily="18" charset="0"/>
-            </a:endParaRPr>
+              <a:t>Modulul de preprocesare;</a:t>
+            </a:r>
+          </a:p>
+          <a:p>
+            <a:pPr lvl="1"/>
+            <a:r>
+              <a:rPr lang="ro-RO" dirty="0">
+                <a:latin typeface="Times New Roman" pitchFamily="18" charset="0"/>
+                <a:cs typeface="Times New Roman" pitchFamily="18" charset="0"/>
+              </a:rPr>
+              <a:t>Clasificatorul;</a:t>
+            </a:r>
+          </a:p>
+          <a:p>
+            <a:pPr lvl="1"/>
+            <a:r>
+              <a:rPr lang="ro-RO" dirty="0">
+                <a:latin typeface="Times New Roman" pitchFamily="18" charset="0"/>
+                <a:cs typeface="Times New Roman" pitchFamily="18" charset="0"/>
+              </a:rPr>
+              <a:t>Baza de date;</a:t>
+            </a:r>
+          </a:p>
+          <a:p>
+            <a:pPr lvl="1"/>
+            <a:r>
+              <a:rPr lang="ro-RO" dirty="0">
+                <a:latin typeface="Times New Roman" pitchFamily="18" charset="0"/>
+                <a:cs typeface="Times New Roman" pitchFamily="18" charset="0"/>
+              </a:rPr>
+              <a:t>Interfața Web;</a:t>
+            </a:r>
           </a:p>
         </p:txBody>
       </p:sp>
@@ -5885,6 +7124,42 @@
           </a:p>
         </p:txBody>
       </p:sp>
+      <p:pic>
+        <p:nvPicPr>
+          <p:cNvPr id="5" name="Picture 4">
+            <a:extLst>
+              <a:ext uri="{FF2B5EF4-FFF2-40B4-BE49-F238E27FC236}">
+                <a16:creationId xmlns:a16="http://schemas.microsoft.com/office/drawing/2014/main" id="{A30D810F-E1A6-46E9-BA68-6F29F040544E}"/>
+              </a:ext>
+            </a:extLst>
+          </p:cNvPr>
+          <p:cNvPicPr>
+            <a:picLocks noChangeAspect="1"/>
+          </p:cNvPicPr>
+          <p:nvPr/>
+        </p:nvPicPr>
+        <p:blipFill>
+          <a:blip r:embed="rId2">
+            <a:extLst>
+              <a:ext uri="{28A0092B-C50C-407E-A947-70E740481C1C}">
+                <a14:useLocalDpi xmlns:a14="http://schemas.microsoft.com/office/drawing/2010/main" val="0"/>
+              </a:ext>
+            </a:extLst>
+          </a:blip>
+          <a:stretch>
+            <a:fillRect/>
+          </a:stretch>
+        </p:blipFill>
+        <p:spPr>
+          <a:xfrm>
+            <a:off x="1947862" y="3688080"/>
+            <a:ext cx="5248275" cy="1628775"/>
+          </a:xfrm>
+          <a:prstGeom prst="rect">
+            <a:avLst/>
+          </a:prstGeom>
+        </p:spPr>
+      </p:pic>
     </p:spTree>
     <p:extLst>
       <p:ext uri="{BB962C8B-B14F-4D97-AF65-F5344CB8AC3E}">
@@ -5938,7 +7213,7 @@
                 <a:latin typeface="Times New Roman" pitchFamily="18" charset="0"/>
                 <a:cs typeface="Times New Roman" pitchFamily="18" charset="0"/>
               </a:rPr>
-              <a:t>Tehnologii folosite</a:t>
+              <a:t>Descriere soluție (2)</a:t>
             </a:r>
             <a:endParaRPr lang="en-US" b="1" dirty="0">
               <a:solidFill>
@@ -5966,92 +7241,96 @@
           <a:lstStyle/>
           <a:p>
             <a:r>
-              <a:rPr lang="ro-RO" i="1" dirty="0">
-                <a:latin typeface="Times New Roman" pitchFamily="18" charset="0"/>
-                <a:cs typeface="Times New Roman" pitchFamily="18" charset="0"/>
-              </a:rPr>
-              <a:t>Keras</a:t>
-            </a:r>
-            <a:r>
               <a:rPr lang="ro-RO" dirty="0">
                 <a:latin typeface="Times New Roman" pitchFamily="18" charset="0"/>
                 <a:cs typeface="Times New Roman" pitchFamily="18" charset="0"/>
               </a:rPr>
-              <a:t>, The Python Deep Learning API</a:t>
-            </a:r>
-          </a:p>
-          <a:p>
+              <a:t>Modulul de preprocesare</a:t>
+            </a:r>
+          </a:p>
+          <a:p>
+            <a:pPr lvl="1"/>
             <a:r>
               <a:rPr lang="ro-RO" dirty="0">
                 <a:latin typeface="Times New Roman" pitchFamily="18" charset="0"/>
                 <a:cs typeface="Times New Roman" pitchFamily="18" charset="0"/>
               </a:rPr>
-              <a:t>Tesseract, motorul de OCR dezvoltat de Google</a:t>
-            </a:r>
-          </a:p>
-          <a:p>
+              <a:t>Preprocesarea formularelor necompletate</a:t>
+            </a:r>
+          </a:p>
+          <a:p>
+            <a:pPr lvl="2"/>
             <a:r>
               <a:rPr lang="ro-RO" dirty="0">
                 <a:latin typeface="Times New Roman" pitchFamily="18" charset="0"/>
                 <a:cs typeface="Times New Roman" pitchFamily="18" charset="0"/>
               </a:rPr>
-              <a:t>Elasticsearch</a:t>
-            </a:r>
-          </a:p>
-          <a:p>
+              <a:t>PyTesseract OCR</a:t>
+            </a:r>
+          </a:p>
+          <a:p>
+            <a:pPr lvl="2"/>
+            <a:endParaRPr lang="ro-RO" dirty="0">
+              <a:latin typeface="Times New Roman" pitchFamily="18" charset="0"/>
+              <a:cs typeface="Times New Roman" pitchFamily="18" charset="0"/>
+            </a:endParaRPr>
+          </a:p>
+          <a:p>
+            <a:pPr lvl="1"/>
             <a:r>
               <a:rPr lang="ro-RO" dirty="0">
                 <a:latin typeface="Times New Roman" pitchFamily="18" charset="0"/>
                 <a:cs typeface="Times New Roman" pitchFamily="18" charset="0"/>
               </a:rPr>
-              <a:t>Bootstrap</a:t>
-            </a:r>
-          </a:p>
-          <a:p>
+              <a:t>Preprocesarea formularelor completate</a:t>
+            </a:r>
+          </a:p>
+          <a:p>
+            <a:pPr lvl="2"/>
             <a:r>
               <a:rPr lang="ro-RO" dirty="0">
                 <a:latin typeface="Times New Roman" pitchFamily="18" charset="0"/>
                 <a:cs typeface="Times New Roman" pitchFamily="18" charset="0"/>
               </a:rPr>
-              <a:t>Python</a:t>
-            </a:r>
-          </a:p>
-          <a:p>
+              <a:t>Extragere pixeli</a:t>
+            </a:r>
+          </a:p>
+          <a:p>
+            <a:pPr lvl="2"/>
             <a:r>
               <a:rPr lang="ro-RO" dirty="0">
                 <a:latin typeface="Times New Roman" pitchFamily="18" charset="0"/>
                 <a:cs typeface="Times New Roman" pitchFamily="18" charset="0"/>
               </a:rPr>
-              <a:t>PHP</a:t>
-            </a:r>
-          </a:p>
-          <a:p>
-            <a:r>
-              <a:rPr lang="ro-RO" dirty="0">
-                <a:latin typeface="Times New Roman" pitchFamily="18" charset="0"/>
-                <a:cs typeface="Times New Roman" pitchFamily="18" charset="0"/>
-              </a:rPr>
-              <a:t>JavaScript</a:t>
-            </a:r>
-          </a:p>
-          <a:p>
-            <a:r>
-              <a:rPr lang="ro-RO" dirty="0">
-                <a:latin typeface="Times New Roman" pitchFamily="18" charset="0"/>
-                <a:cs typeface="Times New Roman" pitchFamily="18" charset="0"/>
-              </a:rPr>
-              <a:t>CSS</a:t>
-            </a:r>
-          </a:p>
-          <a:p>
-            <a:r>
-              <a:rPr lang="ro-RO" dirty="0">
-                <a:latin typeface="Times New Roman" pitchFamily="18" charset="0"/>
-                <a:cs typeface="Times New Roman" pitchFamily="18" charset="0"/>
-              </a:rPr>
-              <a:t>HTML</a:t>
-            </a:r>
-            <a:endParaRPr lang="en-US" dirty="0">
+              <a:t>Segmentarea zonelor de interes folosind sume pe orizontală și verticală</a:t>
+            </a:r>
+          </a:p>
+          <a:p>
+            <a:pPr lvl="1"/>
+            <a:endParaRPr lang="ro-RO" sz="2600" dirty="0">
+              <a:solidFill>
+                <a:schemeClr val="tx2"/>
+              </a:solidFill>
+              <a:latin typeface="Times New Roman" pitchFamily="18" charset="0"/>
+              <a:cs typeface="Times New Roman" pitchFamily="18" charset="0"/>
+            </a:endParaRPr>
+          </a:p>
+          <a:p>
+            <a:pPr lvl="1"/>
+            <a:r>
+              <a:rPr lang="ro-RO" sz="2600" dirty="0">
+                <a:solidFill>
+                  <a:schemeClr val="tx2"/>
+                </a:solidFill>
+                <a:latin typeface="Times New Roman" pitchFamily="18" charset="0"/>
+                <a:cs typeface="Times New Roman" pitchFamily="18" charset="0"/>
+              </a:rPr>
+              <a:t>În final, se obține câte o imagine de 32x32 cu fiecare caracter </a:t>
+            </a:r>
+            <a:endParaRPr lang="en-US" sz="2600" dirty="0">
+              <a:solidFill>
+                <a:schemeClr val="tx2"/>
+              </a:solidFill>
               <a:latin typeface="Times New Roman" pitchFamily="18" charset="0"/>
               <a:cs typeface="Times New Roman" pitchFamily="18" charset="0"/>
             </a:endParaRPr>
@@ -6126,10 +7405,130 @@
           </a:p>
         </p:txBody>
       </p:sp>
+      <p:pic>
+        <p:nvPicPr>
+          <p:cNvPr id="5" name="Picture 4">
+            <a:extLst>
+              <a:ext uri="{FF2B5EF4-FFF2-40B4-BE49-F238E27FC236}">
+                <a16:creationId xmlns:a16="http://schemas.microsoft.com/office/drawing/2014/main" id="{9923C281-498E-4368-A401-482D904B9B47}"/>
+              </a:ext>
+            </a:extLst>
+          </p:cNvPr>
+          <p:cNvPicPr>
+            <a:picLocks noChangeAspect="1"/>
+          </p:cNvPicPr>
+          <p:nvPr/>
+        </p:nvPicPr>
+        <p:blipFill>
+          <a:blip r:embed="rId2"/>
+          <a:stretch>
+            <a:fillRect/>
+          </a:stretch>
+        </p:blipFill>
+        <p:spPr>
+          <a:xfrm>
+            <a:off x="2438400" y="5077648"/>
+            <a:ext cx="838200" cy="1041990"/>
+          </a:xfrm>
+          <a:prstGeom prst="rect">
+            <a:avLst/>
+          </a:prstGeom>
+        </p:spPr>
+      </p:pic>
+      <p:pic>
+        <p:nvPicPr>
+          <p:cNvPr id="9" name="Picture 8">
+            <a:extLst>
+              <a:ext uri="{FF2B5EF4-FFF2-40B4-BE49-F238E27FC236}">
+                <a16:creationId xmlns:a16="http://schemas.microsoft.com/office/drawing/2014/main" id="{0F103B5B-70A9-46D3-9026-05C8E995DE8D}"/>
+              </a:ext>
+            </a:extLst>
+          </p:cNvPr>
+          <p:cNvPicPr>
+            <a:picLocks noChangeAspect="1"/>
+          </p:cNvPicPr>
+          <p:nvPr/>
+        </p:nvPicPr>
+        <p:blipFill>
+          <a:blip r:embed="rId3"/>
+          <a:stretch>
+            <a:fillRect/>
+          </a:stretch>
+        </p:blipFill>
+        <p:spPr>
+          <a:xfrm>
+            <a:off x="3505200" y="5077648"/>
+            <a:ext cx="914400" cy="1042374"/>
+          </a:xfrm>
+          <a:prstGeom prst="rect">
+            <a:avLst/>
+          </a:prstGeom>
+        </p:spPr>
+      </p:pic>
+      <p:pic>
+        <p:nvPicPr>
+          <p:cNvPr id="11" name="Picture 10">
+            <a:extLst>
+              <a:ext uri="{FF2B5EF4-FFF2-40B4-BE49-F238E27FC236}">
+                <a16:creationId xmlns:a16="http://schemas.microsoft.com/office/drawing/2014/main" id="{59D57BC4-AF74-49D6-91A6-E74BF95C2128}"/>
+              </a:ext>
+            </a:extLst>
+          </p:cNvPr>
+          <p:cNvPicPr>
+            <a:picLocks noChangeAspect="1"/>
+          </p:cNvPicPr>
+          <p:nvPr/>
+        </p:nvPicPr>
+        <p:blipFill>
+          <a:blip r:embed="rId4"/>
+          <a:stretch>
+            <a:fillRect/>
+          </a:stretch>
+        </p:blipFill>
+        <p:spPr>
+          <a:xfrm>
+            <a:off x="4648199" y="5077265"/>
+            <a:ext cx="681289" cy="1042374"/>
+          </a:xfrm>
+          <a:prstGeom prst="rect">
+            <a:avLst/>
+          </a:prstGeom>
+        </p:spPr>
+      </p:pic>
+      <p:pic>
+        <p:nvPicPr>
+          <p:cNvPr id="13" name="Picture 12">
+            <a:extLst>
+              <a:ext uri="{FF2B5EF4-FFF2-40B4-BE49-F238E27FC236}">
+                <a16:creationId xmlns:a16="http://schemas.microsoft.com/office/drawing/2014/main" id="{EBAF2F75-23E6-42A8-A311-BFB0469C447D}"/>
+              </a:ext>
+            </a:extLst>
+          </p:cNvPr>
+          <p:cNvPicPr>
+            <a:picLocks noChangeAspect="1"/>
+          </p:cNvPicPr>
+          <p:nvPr/>
+        </p:nvPicPr>
+        <p:blipFill>
+          <a:blip r:embed="rId5"/>
+          <a:stretch>
+            <a:fillRect/>
+          </a:stretch>
+        </p:blipFill>
+        <p:spPr>
+          <a:xfrm>
+            <a:off x="5558086" y="5077265"/>
+            <a:ext cx="828025" cy="1042373"/>
+          </a:xfrm>
+          <a:prstGeom prst="rect">
+            <a:avLst/>
+          </a:prstGeom>
+        </p:spPr>
+      </p:pic>
     </p:spTree>
     <p:extLst>
       <p:ext uri="{BB962C8B-B14F-4D97-AF65-F5344CB8AC3E}">
-        <p14:creationId xmlns:p14="http://schemas.microsoft.com/office/powerpoint/2010/main" val="3439825583"/>
+        <p14:creationId xmlns:p14="http://schemas.microsoft.com/office/powerpoint/2010/main" val="423782947"/>
       </p:ext>
     </p:extLst>
   </p:cSld>
@@ -6179,7 +7578,7 @@
                 <a:latin typeface="Times New Roman" pitchFamily="18" charset="0"/>
                 <a:cs typeface="Times New Roman" pitchFamily="18" charset="0"/>
               </a:rPr>
-              <a:t>Rezultate testare</a:t>
+              <a:t>Descriere soluție (3)</a:t>
             </a:r>
             <a:endParaRPr lang="en-US" b="1" dirty="0">
               <a:solidFill>
@@ -6193,53 +7592,6 @@
       </p:sp>
       <p:sp>
         <p:nvSpPr>
-          <p:cNvPr id="3" name="Content Placeholder 2"/>
-          <p:cNvSpPr>
-            <a:spLocks noGrp="1"/>
-          </p:cNvSpPr>
-          <p:nvPr>
-            <p:ph sz="quarter" idx="1"/>
-          </p:nvPr>
-        </p:nvSpPr>
-        <p:spPr/>
-        <p:txBody>
-          <a:bodyPr/>
-          <a:lstStyle/>
-          <a:p>
-            <a:r>
-              <a:rPr lang="ro-RO" dirty="0">
-                <a:latin typeface="Times New Roman" pitchFamily="18" charset="0"/>
-                <a:cs typeface="Times New Roman" pitchFamily="18" charset="0"/>
-              </a:rPr>
-              <a:t>Ce metode de testare au fost folosite?</a:t>
-            </a:r>
-          </a:p>
-          <a:p>
-            <a:r>
-              <a:rPr lang="ro-RO" dirty="0">
-                <a:latin typeface="Times New Roman" pitchFamily="18" charset="0"/>
-                <a:cs typeface="Times New Roman" pitchFamily="18" charset="0"/>
-              </a:rPr>
-              <a:t>Ce rezultate au fost obținute? </a:t>
-            </a:r>
-          </a:p>
-          <a:p>
-            <a:r>
-              <a:rPr lang="ro-RO" dirty="0">
-                <a:latin typeface="Times New Roman" pitchFamily="18" charset="0"/>
-                <a:cs typeface="Times New Roman" pitchFamily="18" charset="0"/>
-              </a:rPr>
-              <a:t>Maxim 2 slide-uri</a:t>
-            </a:r>
-            <a:endParaRPr lang="en-US" dirty="0">
-              <a:latin typeface="Times New Roman" pitchFamily="18" charset="0"/>
-              <a:cs typeface="Times New Roman" pitchFamily="18" charset="0"/>
-            </a:endParaRPr>
-          </a:p>
-        </p:txBody>
-      </p:sp>
-      <p:sp>
-        <p:nvSpPr>
           <p:cNvPr id="6" name="TextBox 5"/>
           <p:cNvSpPr txBox="1"/>
           <p:nvPr/>
@@ -6306,10 +7658,122 @@
           </a:p>
         </p:txBody>
       </p:sp>
+      <p:sp>
+        <p:nvSpPr>
+          <p:cNvPr id="11" name="Content Placeholder 10">
+            <a:extLst>
+              <a:ext uri="{FF2B5EF4-FFF2-40B4-BE49-F238E27FC236}">
+                <a16:creationId xmlns:a16="http://schemas.microsoft.com/office/drawing/2014/main" id="{E9C5CFD2-7208-42A5-A394-30CEDCDF931C}"/>
+              </a:ext>
+            </a:extLst>
+          </p:cNvPr>
+          <p:cNvSpPr>
+            <a:spLocks noGrp="1"/>
+          </p:cNvSpPr>
+          <p:nvPr>
+            <p:ph sz="quarter" idx="1"/>
+          </p:nvPr>
+        </p:nvSpPr>
+        <p:spPr/>
+        <p:txBody>
+          <a:bodyPr/>
+          <a:lstStyle/>
+          <a:p>
+            <a:r>
+              <a:rPr lang="ro-RO" dirty="0">
+                <a:latin typeface="Times New Roman" panose="02020603050405020304" pitchFamily="18" charset="0"/>
+                <a:cs typeface="Times New Roman" panose="02020603050405020304" pitchFamily="18" charset="0"/>
+              </a:rPr>
+              <a:t>Clasificatorul</a:t>
+            </a:r>
+          </a:p>
+          <a:p>
+            <a:endParaRPr lang="ro-RO" dirty="0">
+              <a:latin typeface="Times New Roman" panose="02020603050405020304" pitchFamily="18" charset="0"/>
+              <a:cs typeface="Times New Roman" panose="02020603050405020304" pitchFamily="18" charset="0"/>
+            </a:endParaRPr>
+          </a:p>
+          <a:p>
+            <a:pPr lvl="1"/>
+            <a:r>
+              <a:rPr lang="ro-RO" dirty="0">
+                <a:latin typeface="Times New Roman" panose="02020603050405020304" pitchFamily="18" charset="0"/>
+                <a:cs typeface="Times New Roman" panose="02020603050405020304" pitchFamily="18" charset="0"/>
+              </a:rPr>
+              <a:t>Antrenat pe seturile de date NIST și UNIPEN</a:t>
+            </a:r>
+          </a:p>
+          <a:p>
+            <a:pPr lvl="1"/>
+            <a:endParaRPr lang="ro-RO" dirty="0">
+              <a:latin typeface="Times New Roman" panose="02020603050405020304" pitchFamily="18" charset="0"/>
+              <a:cs typeface="Times New Roman" panose="02020603050405020304" pitchFamily="18" charset="0"/>
+            </a:endParaRPr>
+          </a:p>
+          <a:p>
+            <a:pPr lvl="1"/>
+            <a:r>
+              <a:rPr lang="ro-RO" dirty="0">
+                <a:latin typeface="Times New Roman" panose="02020603050405020304" pitchFamily="18" charset="0"/>
+                <a:cs typeface="Times New Roman" panose="02020603050405020304" pitchFamily="18" charset="0"/>
+              </a:rPr>
+              <a:t>Rețele neuronale convoluționale</a:t>
+            </a:r>
+          </a:p>
+          <a:p>
+            <a:pPr lvl="1"/>
+            <a:endParaRPr lang="ro-RO" dirty="0">
+              <a:latin typeface="Times New Roman" panose="02020603050405020304" pitchFamily="18" charset="0"/>
+              <a:cs typeface="Times New Roman" panose="02020603050405020304" pitchFamily="18" charset="0"/>
+            </a:endParaRPr>
+          </a:p>
+          <a:p>
+            <a:pPr lvl="1"/>
+            <a:r>
+              <a:rPr lang="ro-RO" dirty="0">
+                <a:latin typeface="Times New Roman" panose="02020603050405020304" pitchFamily="18" charset="0"/>
+                <a:cs typeface="Times New Roman" panose="02020603050405020304" pitchFamily="18" charset="0"/>
+              </a:rPr>
+              <a:t>Separarea pe 3 modele, pentru text, cifre și mixt</a:t>
+            </a:r>
+          </a:p>
+          <a:p>
+            <a:pPr lvl="1"/>
+            <a:endParaRPr lang="ro-RO" dirty="0">
+              <a:latin typeface="Times New Roman" panose="02020603050405020304" pitchFamily="18" charset="0"/>
+              <a:cs typeface="Times New Roman" panose="02020603050405020304" pitchFamily="18" charset="0"/>
+            </a:endParaRPr>
+          </a:p>
+          <a:p>
+            <a:pPr lvl="1"/>
+            <a:r>
+              <a:rPr lang="ro-RO" dirty="0">
+                <a:latin typeface="Times New Roman" panose="02020603050405020304" pitchFamily="18" charset="0"/>
+                <a:cs typeface="Times New Roman" panose="02020603050405020304" pitchFamily="18" charset="0"/>
+              </a:rPr>
+              <a:t>Acuratețe de 99.74%, 99.3% și 96% pentru modelul numeric, text și, respectiv, mixt.</a:t>
+            </a:r>
+          </a:p>
+          <a:p>
+            <a:pPr lvl="1"/>
+            <a:endParaRPr lang="ro-RO" dirty="0">
+              <a:latin typeface="Times New Roman" panose="02020603050405020304" pitchFamily="18" charset="0"/>
+              <a:cs typeface="Times New Roman" panose="02020603050405020304" pitchFamily="18" charset="0"/>
+            </a:endParaRPr>
+          </a:p>
+          <a:p>
+            <a:pPr lvl="1"/>
+            <a:endParaRPr lang="en-US" dirty="0">
+              <a:latin typeface="Times New Roman" panose="02020603050405020304" pitchFamily="18" charset="0"/>
+              <a:cs typeface="Times New Roman" panose="02020603050405020304" pitchFamily="18" charset="0"/>
+            </a:endParaRPr>
+          </a:p>
+        </p:txBody>
+      </p:sp>
     </p:spTree>
     <p:extLst>
       <p:ext uri="{BB962C8B-B14F-4D97-AF65-F5344CB8AC3E}">
-        <p14:creationId xmlns:p14="http://schemas.microsoft.com/office/powerpoint/2010/main" val="1329492536"/>
+        <p14:creationId xmlns:p14="http://schemas.microsoft.com/office/powerpoint/2010/main" val="2496275398"/>
       </p:ext>
     </p:extLst>
   </p:cSld>
